--- a/BoostingAlgorithm-Presentation.pptx
+++ b/BoostingAlgorithm-Presentation.pptx
@@ -9,10 +9,13 @@
     <p:sldId id="263" r:id="rId4"/>
     <p:sldId id="256" r:id="rId5"/>
     <p:sldId id="258" r:id="rId6"/>
-    <p:sldId id="259" r:id="rId7"/>
-    <p:sldId id="260" r:id="rId8"/>
-    <p:sldId id="261" r:id="rId9"/>
-    <p:sldId id="262" r:id="rId10"/>
+    <p:sldId id="270" r:id="rId7"/>
+    <p:sldId id="259" r:id="rId8"/>
+    <p:sldId id="260" r:id="rId9"/>
+    <p:sldId id="271" r:id="rId10"/>
+    <p:sldId id="261" r:id="rId11"/>
+    <p:sldId id="262" r:id="rId12"/>
+    <p:sldId id="272" r:id="rId13"/>
   </p:sldIdLst>
   <p:sldSz cx="12192000" cy="6858000"/>
   <p:notesSz cx="6858000" cy="9144000"/>
@@ -3037,6 +3040,210 @@
 </p:sld>
 </file>
 
+<file path=ppt/slides/slide10.xml><?xml version="1.0" encoding="utf-8"?>
+<p:sld xmlns:a="http://schemas.openxmlformats.org/drawingml/2006/main" xmlns:r="http://schemas.openxmlformats.org/officeDocument/2006/relationships" xmlns:p="http://schemas.openxmlformats.org/presentationml/2006/main">
+  <p:cSld>
+    <p:spTree>
+      <p:nvGrpSpPr>
+        <p:cNvPr id="1" name=""/>
+        <p:cNvGrpSpPr/>
+        <p:nvPr/>
+      </p:nvGrpSpPr>
+      <p:grpSpPr/>
+      <p:sp>
+        <p:nvSpPr>
+          <p:cNvPr id="2" name="Title 1"/>
+          <p:cNvSpPr>
+            <a:spLocks noGrp="1"/>
+          </p:cNvSpPr>
+          <p:nvPr>
+            <p:ph type="title"/>
+          </p:nvPr>
+        </p:nvSpPr>
+        <p:spPr/>
+        <p:txBody>
+          <a:bodyPr/>
+          <a:p>
+            <a:r>
+              <a:rPr lang="en-US"/>
+              <a:t>LG BOOST</a:t>
+            </a:r>
+            <a:endParaRPr lang="en-US"/>
+          </a:p>
+        </p:txBody>
+      </p:sp>
+      <p:sp>
+        <p:nvSpPr>
+          <p:cNvPr id="3" name="Content Placeholder 2"/>
+          <p:cNvSpPr>
+            <a:spLocks noGrp="1"/>
+          </p:cNvSpPr>
+          <p:nvPr>
+            <p:ph idx="1"/>
+          </p:nvPr>
+        </p:nvSpPr>
+        <p:spPr/>
+        <p:txBody>
+          <a:bodyPr/>
+          <a:p>
+            <a:r>
+              <a:rPr lang="en-US" altLang="en-US" sz="2500"/>
+              <a:t>A faster, memory-efficient gradient boosting method.</a:t>
+            </a:r>
+            <a:endParaRPr lang="en-US" altLang="en-US" sz="2500"/>
+          </a:p>
+          <a:p>
+            <a:endParaRPr lang="en-US" altLang="en-US" sz="2500"/>
+          </a:p>
+          <a:p>
+            <a:r>
+              <a:rPr lang="en-US" altLang="en-US" sz="2500"/>
+              <a:t>Uses histogram-based learning for speed improvements.</a:t>
+            </a:r>
+            <a:endParaRPr lang="en-US" altLang="en-US" sz="2500"/>
+          </a:p>
+          <a:p>
+            <a:endParaRPr lang="en-US" altLang="en-US" sz="2500"/>
+          </a:p>
+          <a:p>
+            <a:r>
+              <a:rPr lang="en-US" altLang="en-US" sz="2500"/>
+              <a:t>Grows trees leaf-wise instead of level-wise (like XGBoost), making it faster on large datasets.</a:t>
+            </a:r>
+            <a:endParaRPr lang="en-US" altLang="en-US" sz="2500"/>
+          </a:p>
+        </p:txBody>
+      </p:sp>
+    </p:spTree>
+  </p:cSld>
+  <p:clrMapOvr>
+    <a:masterClrMapping/>
+  </p:clrMapOvr>
+</p:sld>
+</file>
+
+<file path=ppt/slides/slide11.xml><?xml version="1.0" encoding="utf-8"?>
+<p:sld xmlns:a="http://schemas.openxmlformats.org/drawingml/2006/main" xmlns:r="http://schemas.openxmlformats.org/officeDocument/2006/relationships" xmlns:p="http://schemas.openxmlformats.org/presentationml/2006/main">
+  <p:cSld>
+    <p:spTree>
+      <p:nvGrpSpPr>
+        <p:cNvPr id="1" name=""/>
+        <p:cNvGrpSpPr/>
+        <p:nvPr/>
+      </p:nvGrpSpPr>
+      <p:grpSpPr/>
+      <p:sp>
+        <p:nvSpPr>
+          <p:cNvPr id="2" name="Title 1"/>
+          <p:cNvSpPr>
+            <a:spLocks noGrp="1"/>
+          </p:cNvSpPr>
+          <p:nvPr>
+            <p:ph type="title"/>
+          </p:nvPr>
+        </p:nvSpPr>
+        <p:spPr/>
+        <p:txBody>
+          <a:bodyPr>
+            <a:normAutofit fontScale="90000"/>
+          </a:bodyPr>
+          <a:p>
+            <a:r>
+              <a:rPr lang="en-US" b="1">
+                <a:sym typeface="+mn-ea"/>
+              </a:rPr>
+              <a:t>Advantage &amp; Disagvantage of XG Boost Algorithm</a:t>
+            </a:r>
+            <a:endParaRPr lang="en-US"/>
+          </a:p>
+        </p:txBody>
+      </p:sp>
+      <p:sp>
+        <p:nvSpPr>
+          <p:cNvPr id="3" name="Content Placeholder 2"/>
+          <p:cNvSpPr>
+            <a:spLocks noGrp="1"/>
+          </p:cNvSpPr>
+          <p:nvPr>
+            <p:ph idx="1"/>
+          </p:nvPr>
+        </p:nvSpPr>
+        <p:spPr/>
+        <p:txBody>
+          <a:bodyPr/>
+          <a:p>
+            <a:pPr marL="0" indent="0">
+              <a:buNone/>
+            </a:pPr>
+            <a:r>
+              <a:rPr lang="en-US" altLang="en-US" b="1">
+                <a:sym typeface="+mn-ea"/>
+              </a:rPr>
+              <a:t>Advantages:</a:t>
+            </a:r>
+            <a:endParaRPr lang="en-US" altLang="en-US" b="1"/>
+          </a:p>
+          <a:p>
+            <a:pPr>
+              <a:lnSpc>
+                <a:spcPct val="150000"/>
+              </a:lnSpc>
+            </a:pPr>
+            <a:r>
+              <a:rPr lang="en-US" altLang="en-US"/>
+              <a:t> Fastest among the three (best for large datasets).</a:t>
+            </a:r>
+            <a:endParaRPr lang="en-US" altLang="en-US"/>
+          </a:p>
+          <a:p>
+            <a:r>
+              <a:rPr lang="en-US" altLang="en-US"/>
+              <a:t> Handles categorical features without encoding.</a:t>
+            </a:r>
+            <a:endParaRPr lang="en-US" altLang="en-US"/>
+          </a:p>
+          <a:p>
+            <a:r>
+              <a:rPr lang="en-US" altLang="en-US"/>
+              <a:t> Uses less memory.</a:t>
+            </a:r>
+            <a:endParaRPr lang="en-US" altLang="en-US"/>
+          </a:p>
+          <a:p>
+            <a:endParaRPr lang="en-US" altLang="en-US"/>
+          </a:p>
+          <a:p>
+            <a:pPr marL="0" indent="0">
+              <a:buNone/>
+            </a:pPr>
+            <a:r>
+              <a:rPr lang="en-US" altLang="en-US" b="1"/>
+              <a:t>Disadvantages:</a:t>
+            </a:r>
+            <a:endParaRPr lang="en-US" altLang="en-US" b="1"/>
+          </a:p>
+          <a:p>
+            <a:pPr>
+              <a:lnSpc>
+                <a:spcPct val="150000"/>
+              </a:lnSpc>
+            </a:pPr>
+            <a:r>
+              <a:rPr lang="en-US" altLang="en-US"/>
+              <a:t> Can overfit if not properly tuned.</a:t>
+            </a:r>
+            <a:endParaRPr lang="en-US" altLang="en-US"/>
+          </a:p>
+        </p:txBody>
+      </p:sp>
+    </p:spTree>
+  </p:cSld>
+  <p:clrMapOvr>
+    <a:masterClrMapping/>
+  </p:clrMapOvr>
+</p:sld>
+</file>
+
 <file path=ppt/slides/slide2.xml><?xml version="1.0" encoding="utf-8"?>
 <p:sld xmlns:a="http://schemas.openxmlformats.org/drawingml/2006/main" xmlns:r="http://schemas.openxmlformats.org/officeDocument/2006/relationships" xmlns:p="http://schemas.openxmlformats.org/presentationml/2006/main">
   <p:cSld>
@@ -3330,6 +3537,129 @@
         </p:nvSpPr>
         <p:spPr>
           <a:xfrm>
+            <a:off x="648335" y="365125"/>
+            <a:ext cx="10705465" cy="1325880"/>
+          </a:xfrm>
+        </p:spPr>
+        <p:txBody>
+          <a:bodyPr/>
+          <a:p>
+            <a:r>
+              <a:rPr lang="en-US" sz="4000" b="1"/>
+              <a:t>Advantage &amp; Disagvantage of Ada Boost Algorithm</a:t>
+            </a:r>
+            <a:endParaRPr lang="en-US" sz="4000" b="1"/>
+          </a:p>
+        </p:txBody>
+      </p:sp>
+      <p:sp>
+        <p:nvSpPr>
+          <p:cNvPr id="3" name="Content Placeholder 2"/>
+          <p:cNvSpPr>
+            <a:spLocks noGrp="1"/>
+          </p:cNvSpPr>
+          <p:nvPr>
+            <p:ph idx="1"/>
+          </p:nvPr>
+        </p:nvSpPr>
+        <p:spPr/>
+        <p:txBody>
+          <a:bodyPr>
+            <a:normAutofit lnSpcReduction="10000"/>
+          </a:bodyPr>
+          <a:p>
+            <a:pPr marL="0" indent="0">
+              <a:buNone/>
+            </a:pPr>
+            <a:r>
+              <a:rPr lang="en-US" altLang="en-US" b="1"/>
+              <a:t>Advantages:</a:t>
+            </a:r>
+            <a:endParaRPr lang="en-US" altLang="en-US"/>
+          </a:p>
+          <a:p>
+            <a:pPr>
+              <a:lnSpc>
+                <a:spcPct val="150000"/>
+              </a:lnSpc>
+            </a:pPr>
+            <a:r>
+              <a:rPr lang="en-US" altLang="en-US"/>
+              <a:t>Simple and interpretable.</a:t>
+            </a:r>
+            <a:endParaRPr lang="en-US" altLang="en-US"/>
+          </a:p>
+          <a:p>
+            <a:r>
+              <a:rPr lang="en-US" altLang="en-US"/>
+              <a:t> Works well on small datasets.</a:t>
+            </a:r>
+            <a:endParaRPr lang="en-US" altLang="en-US"/>
+          </a:p>
+          <a:p>
+            <a:endParaRPr lang="en-US" altLang="en-US"/>
+          </a:p>
+          <a:p>
+            <a:pPr marL="0" indent="0">
+              <a:buNone/>
+            </a:pPr>
+            <a:r>
+              <a:rPr lang="en-US" altLang="en-US" b="1"/>
+              <a:t>Disadvantages:</a:t>
+            </a:r>
+            <a:endParaRPr lang="en-US" altLang="en-US"/>
+          </a:p>
+          <a:p>
+            <a:pPr>
+              <a:lnSpc>
+                <a:spcPct val="150000"/>
+              </a:lnSpc>
+            </a:pPr>
+            <a:r>
+              <a:rPr lang="en-US" altLang="en-US"/>
+              <a:t>Sensitive to outliers.</a:t>
+            </a:r>
+            <a:endParaRPr lang="en-US" altLang="en-US"/>
+          </a:p>
+          <a:p>
+            <a:r>
+              <a:rPr lang="en-US" altLang="en-US"/>
+              <a:t>Slower on large datasets.</a:t>
+            </a:r>
+            <a:endParaRPr lang="en-US" altLang="en-US"/>
+          </a:p>
+        </p:txBody>
+      </p:sp>
+    </p:spTree>
+  </p:cSld>
+  <p:clrMapOvr>
+    <a:masterClrMapping/>
+  </p:clrMapOvr>
+</p:sld>
+</file>
+
+<file path=ppt/slides/slide6.xml><?xml version="1.0" encoding="utf-8"?>
+<p:sld xmlns:a="http://schemas.openxmlformats.org/drawingml/2006/main" xmlns:r="http://schemas.openxmlformats.org/officeDocument/2006/relationships" xmlns:p="http://schemas.openxmlformats.org/presentationml/2006/main">
+  <p:cSld>
+    <p:spTree>
+      <p:nvGrpSpPr>
+        <p:cNvPr id="1" name=""/>
+        <p:cNvGrpSpPr/>
+        <p:nvPr/>
+      </p:nvGrpSpPr>
+      <p:grpSpPr/>
+      <p:sp>
+        <p:nvSpPr>
+          <p:cNvPr id="2" name="Title 1"/>
+          <p:cNvSpPr>
+            <a:spLocks noGrp="1"/>
+          </p:cNvSpPr>
+          <p:nvPr>
+            <p:ph type="title"/>
+          </p:nvPr>
+        </p:nvSpPr>
+        <p:spPr>
+          <a:xfrm>
             <a:off x="838200" y="365125"/>
             <a:ext cx="10515600" cy="1019175"/>
           </a:xfrm>
@@ -3382,7 +3712,7 @@
 </p:sld>
 </file>
 
-<file path=ppt/slides/slide6.xml><?xml version="1.0" encoding="utf-8"?>
+<file path=ppt/slides/slide7.xml><?xml version="1.0" encoding="utf-8"?>
 <p:sld xmlns:a="http://schemas.openxmlformats.org/drawingml/2006/main" xmlns:r="http://schemas.openxmlformats.org/officeDocument/2006/relationships" xmlns:p="http://schemas.openxmlformats.org/presentationml/2006/main">
   <p:cSld>
     <p:spTree>
@@ -3486,7 +3816,129 @@
 </p:sld>
 </file>
 
-<file path=ppt/slides/slide7.xml><?xml version="1.0" encoding="utf-8"?>
+<file path=ppt/slides/slide8.xml><?xml version="1.0" encoding="utf-8"?>
+<p:sld xmlns:a="http://schemas.openxmlformats.org/drawingml/2006/main" xmlns:r="http://schemas.openxmlformats.org/officeDocument/2006/relationships" xmlns:p="http://schemas.openxmlformats.org/presentationml/2006/main">
+  <p:cSld>
+    <p:spTree>
+      <p:nvGrpSpPr>
+        <p:cNvPr id="1" name=""/>
+        <p:cNvGrpSpPr/>
+        <p:nvPr/>
+      </p:nvGrpSpPr>
+      <p:grpSpPr/>
+      <p:sp>
+        <p:nvSpPr>
+          <p:cNvPr id="2" name="Title 1"/>
+          <p:cNvSpPr>
+            <a:spLocks noGrp="1"/>
+          </p:cNvSpPr>
+          <p:nvPr>
+            <p:ph type="title"/>
+          </p:nvPr>
+        </p:nvSpPr>
+        <p:spPr/>
+        <p:txBody>
+          <a:bodyPr>
+            <a:normAutofit fontScale="90000"/>
+          </a:bodyPr>
+          <a:p>
+            <a:r>
+              <a:rPr lang="en-US" b="1">
+                <a:sym typeface="+mn-ea"/>
+              </a:rPr>
+              <a:t>Advantage &amp; Disagvantage of XG Boost Algorithm</a:t>
+            </a:r>
+            <a:endParaRPr lang="en-US"/>
+          </a:p>
+        </p:txBody>
+      </p:sp>
+      <p:sp>
+        <p:nvSpPr>
+          <p:cNvPr id="3" name="Content Placeholder 2"/>
+          <p:cNvSpPr>
+            <a:spLocks noGrp="1"/>
+          </p:cNvSpPr>
+          <p:nvPr>
+            <p:ph idx="1"/>
+          </p:nvPr>
+        </p:nvSpPr>
+        <p:spPr/>
+        <p:txBody>
+          <a:bodyPr/>
+          <a:p>
+            <a:pPr marL="0" indent="0">
+              <a:buNone/>
+            </a:pPr>
+            <a:r>
+              <a:rPr lang="en-US" altLang="en-US" b="1">
+                <a:sym typeface="+mn-ea"/>
+              </a:rPr>
+              <a:t>Advantages:</a:t>
+            </a:r>
+            <a:endParaRPr lang="en-US" altLang="en-US" b="1"/>
+          </a:p>
+          <a:p>
+            <a:pPr>
+              <a:lnSpc>
+                <a:spcPct val="150000"/>
+              </a:lnSpc>
+            </a:pPr>
+            <a:r>
+              <a:rPr lang="en-US" altLang="en-US"/>
+              <a:t> Faster than AdaBoost.</a:t>
+            </a:r>
+            <a:endParaRPr lang="en-US" altLang="en-US"/>
+          </a:p>
+          <a:p>
+            <a:r>
+              <a:rPr lang="en-US" altLang="en-US"/>
+              <a:t> Handles missing values well.</a:t>
+            </a:r>
+            <a:endParaRPr lang="en-US" altLang="en-US"/>
+          </a:p>
+          <a:p>
+            <a:r>
+              <a:rPr lang="en-US" altLang="en-US"/>
+              <a:t> Reduces overfitting via regularization.</a:t>
+            </a:r>
+            <a:endParaRPr lang="en-US" altLang="en-US"/>
+          </a:p>
+          <a:p>
+            <a:endParaRPr lang="en-US" altLang="en-US"/>
+          </a:p>
+          <a:p>
+            <a:pPr marL="0" indent="0">
+              <a:buNone/>
+            </a:pPr>
+            <a:r>
+              <a:rPr lang="en-US" altLang="en-US" b="1"/>
+              <a:t>Disadvantages:</a:t>
+            </a:r>
+            <a:endParaRPr lang="en-US" altLang="en-US" b="1"/>
+          </a:p>
+          <a:p>
+            <a:pPr>
+              <a:lnSpc>
+                <a:spcPct val="150000"/>
+              </a:lnSpc>
+            </a:pPr>
+            <a:r>
+              <a:rPr lang="en-US" altLang="en-US"/>
+              <a:t> Requires tuning for best performance.</a:t>
+            </a:r>
+            <a:endParaRPr lang="en-US" altLang="en-US"/>
+          </a:p>
+        </p:txBody>
+      </p:sp>
+    </p:spTree>
+  </p:cSld>
+  <p:clrMapOvr>
+    <a:masterClrMapping/>
+  </p:clrMapOvr>
+</p:sld>
+</file>
+
+<file path=ppt/slides/slide9.xml><?xml version="1.0" encoding="utf-8"?>
 <p:sld xmlns:a="http://schemas.openxmlformats.org/drawingml/2006/main" xmlns:r="http://schemas.openxmlformats.org/officeDocument/2006/relationships" xmlns:p="http://schemas.openxmlformats.org/presentationml/2006/main">
   <p:cSld>
     <p:spTree>
@@ -3543,88 +3995,6 @@
           </a:prstGeom>
         </p:spPr>
       </p:pic>
-    </p:spTree>
-  </p:cSld>
-  <p:clrMapOvr>
-    <a:masterClrMapping/>
-  </p:clrMapOvr>
-</p:sld>
-</file>
-
-<file path=ppt/slides/slide8.xml><?xml version="1.0" encoding="utf-8"?>
-<p:sld xmlns:a="http://schemas.openxmlformats.org/drawingml/2006/main" xmlns:r="http://schemas.openxmlformats.org/officeDocument/2006/relationships" xmlns:p="http://schemas.openxmlformats.org/presentationml/2006/main">
-  <p:cSld>
-    <p:spTree>
-      <p:nvGrpSpPr>
-        <p:cNvPr id="1" name=""/>
-        <p:cNvGrpSpPr/>
-        <p:nvPr/>
-      </p:nvGrpSpPr>
-      <p:grpSpPr/>
-      <p:sp>
-        <p:nvSpPr>
-          <p:cNvPr id="2" name="Title 1"/>
-          <p:cNvSpPr>
-            <a:spLocks noGrp="1"/>
-          </p:cNvSpPr>
-          <p:nvPr>
-            <p:ph type="title"/>
-          </p:nvPr>
-        </p:nvSpPr>
-        <p:spPr/>
-        <p:txBody>
-          <a:bodyPr/>
-          <a:p>
-            <a:r>
-              <a:rPr lang="en-US"/>
-              <a:t>LG BOOST</a:t>
-            </a:r>
-            <a:endParaRPr lang="en-US"/>
-          </a:p>
-        </p:txBody>
-      </p:sp>
-      <p:sp>
-        <p:nvSpPr>
-          <p:cNvPr id="3" name="Content Placeholder 2"/>
-          <p:cNvSpPr>
-            <a:spLocks noGrp="1"/>
-          </p:cNvSpPr>
-          <p:nvPr>
-            <p:ph idx="1"/>
-          </p:nvPr>
-        </p:nvSpPr>
-        <p:spPr/>
-        <p:txBody>
-          <a:bodyPr/>
-          <a:p>
-            <a:r>
-              <a:rPr lang="en-US" altLang="en-US" sz="2500"/>
-              <a:t>A faster, memory-efficient gradient boosting method.</a:t>
-            </a:r>
-            <a:endParaRPr lang="en-US" altLang="en-US" sz="2500"/>
-          </a:p>
-          <a:p>
-            <a:endParaRPr lang="en-US" altLang="en-US" sz="2500"/>
-          </a:p>
-          <a:p>
-            <a:r>
-              <a:rPr lang="en-US" altLang="en-US" sz="2500"/>
-              <a:t>Uses histogram-based learning for speed improvements.</a:t>
-            </a:r>
-            <a:endParaRPr lang="en-US" altLang="en-US" sz="2500"/>
-          </a:p>
-          <a:p>
-            <a:endParaRPr lang="en-US" altLang="en-US" sz="2500"/>
-          </a:p>
-          <a:p>
-            <a:r>
-              <a:rPr lang="en-US" altLang="en-US" sz="2500"/>
-              <a:t>Grows trees leaf-wise instead of level-wise (like XGBoost), making it faster on large datasets.</a:t>
-            </a:r>
-            <a:endParaRPr lang="en-US" altLang="en-US" sz="2500"/>
-          </a:p>
-        </p:txBody>
-      </p:sp>
     </p:spTree>
   </p:cSld>
   <p:clrMapOvr>

--- a/BoostingAlgorithm-Presentation.pptx
+++ b/BoostingAlgorithm-Presentation.pptx
@@ -3065,10 +3065,10 @@
           <a:bodyPr/>
           <a:p>
             <a:r>
-              <a:rPr lang="en-US"/>
+              <a:rPr lang="en-US" sz="3800" b="1"/>
               <a:t>LG BOOST</a:t>
             </a:r>
-            <a:endParaRPr lang="en-US"/>
+            <a:endParaRPr lang="en-US" sz="3800" b="1"/>
           </a:p>
         </p:txBody>
       </p:sp>
@@ -3145,16 +3145,16 @@
         <p:spPr/>
         <p:txBody>
           <a:bodyPr>
-            <a:normAutofit fontScale="90000"/>
+            <a:normAutofit/>
           </a:bodyPr>
           <a:p>
             <a:r>
-              <a:rPr lang="en-US" b="1">
+              <a:rPr lang="en-US" sz="3600" b="1">
                 <a:sym typeface="+mn-ea"/>
               </a:rPr>
-              <a:t>Advantage &amp; Disagvantage of XG Boost Algorithm</a:t>
-            </a:r>
-            <a:endParaRPr lang="en-US"/>
+              <a:t>Advantage &amp; Disadvantage of LG Boost Algorithm</a:t>
+            </a:r>
+            <a:endParaRPr lang="en-US" sz="3600"/>
           </a:p>
         </p:txBody>
       </p:sp>
@@ -3545,10 +3545,10 @@
           <a:bodyPr/>
           <a:p>
             <a:r>
-              <a:rPr lang="en-US" sz="4000" b="1"/>
-              <a:t>Advantage &amp; Disagvantage of Ada Boost Algorithm</a:t>
-            </a:r>
-            <a:endParaRPr lang="en-US" sz="4000" b="1"/>
+              <a:rPr lang="en-US" sz="3600" b="1"/>
+              <a:t>Advantage &amp; Disadvantage of Ada Boost Algorithm</a:t>
+            </a:r>
+            <a:endParaRPr lang="en-US" sz="3600" b="1"/>
           </a:p>
         </p:txBody>
       </p:sp>
@@ -3669,8 +3669,12 @@
           <a:p>
             <a:pPr algn="ctr"/>
             <a:r>
+              <a:rPr lang="en-US" sz="4000" b="1"/>
+              <a:t>XG</a:t>
+            </a:r>
+            <a:r>
               <a:rPr lang="en-US" b="1"/>
-              <a:t>XG </a:t>
+              <a:t> </a:t>
             </a:r>
             <a:r>
               <a:rPr lang="en-US" sz="4000" b="1"/>
@@ -3839,16 +3843,16 @@
         <p:spPr/>
         <p:txBody>
           <a:bodyPr>
-            <a:normAutofit fontScale="90000"/>
+            <a:normAutofit/>
           </a:bodyPr>
           <a:p>
             <a:r>
-              <a:rPr lang="en-US" b="1">
+              <a:rPr lang="en-US" sz="3600" b="1">
                 <a:sym typeface="+mn-ea"/>
               </a:rPr>
-              <a:t>Advantage &amp; Disagvantage of XG Boost Algorithm</a:t>
-            </a:r>
-            <a:endParaRPr lang="en-US"/>
+              <a:t>Advantage &amp; Disadvantage of XG Boost Algorithm</a:t>
+            </a:r>
+            <a:endParaRPr lang="en-US" sz="3600"/>
           </a:p>
         </p:txBody>
       </p:sp>
